--- a/geo/Samples/ReplicatedEventSample/Description.pptx
+++ b/geo/Samples/ReplicatedEventSample/Description.pptx
@@ -157,10 +157,9 @@
           </a:lstStyle>
           <a:p>
             <a:r>
-              <a:rPr lang="en-US" smtClean="0"/>
+              <a:rPr lang="en-US"/>
               <a:t>Click to edit Master title style</a:t>
             </a:r>
-            <a:endParaRPr lang="en-US"/>
           </a:p>
         </p:txBody>
       </p:sp>
@@ -222,10 +221,9 @@
           </a:lstStyle>
           <a:p>
             <a:r>
-              <a:rPr lang="en-US" smtClean="0"/>
+              <a:rPr lang="en-US"/>
               <a:t>Click to edit Master subtitle style</a:t>
             </a:r>
-            <a:endParaRPr lang="en-US"/>
           </a:p>
         </p:txBody>
       </p:sp>
@@ -246,7 +244,7 @@
           <a:p>
             <a:fld id="{F7F1804B-E38C-47A4-9015-FFE7CDE9B6FC}" type="datetimeFigureOut">
               <a:rPr lang="en-US" smtClean="0"/>
-              <a:t>3/14/2016</a:t>
+              <a:t>9/2/2016</a:t>
             </a:fld>
             <a:endParaRPr lang="en-US"/>
           </a:p>
@@ -340,10 +338,9 @@
           <a:lstStyle/>
           <a:p>
             <a:r>
-              <a:rPr lang="en-US" smtClean="0"/>
+              <a:rPr lang="en-US"/>
               <a:t>Click to edit Master title style</a:t>
             </a:r>
-            <a:endParaRPr lang="en-US"/>
           </a:p>
         </p:txBody>
       </p:sp>
@@ -364,38 +361,37 @@
           <a:p>
             <a:pPr lvl="0"/>
             <a:r>
-              <a:rPr lang="en-US" smtClean="0"/>
+              <a:rPr lang="en-US"/>
               <a:t>Click to edit Master text styles</a:t>
             </a:r>
           </a:p>
           <a:p>
             <a:pPr lvl="1"/>
             <a:r>
-              <a:rPr lang="en-US" smtClean="0"/>
+              <a:rPr lang="en-US"/>
               <a:t>Second level</a:t>
             </a:r>
           </a:p>
           <a:p>
             <a:pPr lvl="2"/>
             <a:r>
-              <a:rPr lang="en-US" smtClean="0"/>
+              <a:rPr lang="en-US"/>
               <a:t>Third level</a:t>
             </a:r>
           </a:p>
           <a:p>
             <a:pPr lvl="3"/>
             <a:r>
-              <a:rPr lang="en-US" smtClean="0"/>
+              <a:rPr lang="en-US"/>
               <a:t>Fourth level</a:t>
             </a:r>
           </a:p>
           <a:p>
             <a:pPr lvl="4"/>
             <a:r>
-              <a:rPr lang="en-US" smtClean="0"/>
+              <a:rPr lang="en-US"/>
               <a:t>Fifth level</a:t>
             </a:r>
-            <a:endParaRPr lang="en-US"/>
           </a:p>
         </p:txBody>
       </p:sp>
@@ -416,7 +412,7 @@
           <a:p>
             <a:fld id="{F7F1804B-E38C-47A4-9015-FFE7CDE9B6FC}" type="datetimeFigureOut">
               <a:rPr lang="en-US" smtClean="0"/>
-              <a:t>3/14/2016</a:t>
+              <a:t>9/2/2016</a:t>
             </a:fld>
             <a:endParaRPr lang="en-US"/>
           </a:p>
@@ -515,10 +511,9 @@
           <a:lstStyle/>
           <a:p>
             <a:r>
-              <a:rPr lang="en-US" smtClean="0"/>
+              <a:rPr lang="en-US"/>
               <a:t>Click to edit Master title style</a:t>
             </a:r>
-            <a:endParaRPr lang="en-US"/>
           </a:p>
         </p:txBody>
       </p:sp>
@@ -544,38 +539,37 @@
           <a:p>
             <a:pPr lvl="0"/>
             <a:r>
-              <a:rPr lang="en-US" smtClean="0"/>
+              <a:rPr lang="en-US"/>
               <a:t>Click to edit Master text styles</a:t>
             </a:r>
           </a:p>
           <a:p>
             <a:pPr lvl="1"/>
             <a:r>
-              <a:rPr lang="en-US" smtClean="0"/>
+              <a:rPr lang="en-US"/>
               <a:t>Second level</a:t>
             </a:r>
           </a:p>
           <a:p>
             <a:pPr lvl="2"/>
             <a:r>
-              <a:rPr lang="en-US" smtClean="0"/>
+              <a:rPr lang="en-US"/>
               <a:t>Third level</a:t>
             </a:r>
           </a:p>
           <a:p>
             <a:pPr lvl="3"/>
             <a:r>
-              <a:rPr lang="en-US" smtClean="0"/>
+              <a:rPr lang="en-US"/>
               <a:t>Fourth level</a:t>
             </a:r>
           </a:p>
           <a:p>
             <a:pPr lvl="4"/>
             <a:r>
-              <a:rPr lang="en-US" smtClean="0"/>
+              <a:rPr lang="en-US"/>
               <a:t>Fifth level</a:t>
             </a:r>
-            <a:endParaRPr lang="en-US"/>
           </a:p>
         </p:txBody>
       </p:sp>
@@ -596,7 +590,7 @@
           <a:p>
             <a:fld id="{F7F1804B-E38C-47A4-9015-FFE7CDE9B6FC}" type="datetimeFigureOut">
               <a:rPr lang="en-US" smtClean="0"/>
-              <a:t>3/14/2016</a:t>
+              <a:t>9/2/2016</a:t>
             </a:fld>
             <a:endParaRPr lang="en-US"/>
           </a:p>
@@ -690,10 +684,9 @@
           <a:lstStyle/>
           <a:p>
             <a:r>
-              <a:rPr lang="en-US" smtClean="0"/>
+              <a:rPr lang="en-US"/>
               <a:t>Click to edit Master title style</a:t>
             </a:r>
-            <a:endParaRPr lang="en-US"/>
           </a:p>
         </p:txBody>
       </p:sp>
@@ -714,38 +707,37 @@
           <a:p>
             <a:pPr lvl="0"/>
             <a:r>
-              <a:rPr lang="en-US" smtClean="0"/>
+              <a:rPr lang="en-US"/>
               <a:t>Click to edit Master text styles</a:t>
             </a:r>
           </a:p>
           <a:p>
             <a:pPr lvl="1"/>
             <a:r>
-              <a:rPr lang="en-US" smtClean="0"/>
+              <a:rPr lang="en-US"/>
               <a:t>Second level</a:t>
             </a:r>
           </a:p>
           <a:p>
             <a:pPr lvl="2"/>
             <a:r>
-              <a:rPr lang="en-US" smtClean="0"/>
+              <a:rPr lang="en-US"/>
               <a:t>Third level</a:t>
             </a:r>
           </a:p>
           <a:p>
             <a:pPr lvl="3"/>
             <a:r>
-              <a:rPr lang="en-US" smtClean="0"/>
+              <a:rPr lang="en-US"/>
               <a:t>Fourth level</a:t>
             </a:r>
           </a:p>
           <a:p>
             <a:pPr lvl="4"/>
             <a:r>
-              <a:rPr lang="en-US" smtClean="0"/>
+              <a:rPr lang="en-US"/>
               <a:t>Fifth level</a:t>
             </a:r>
-            <a:endParaRPr lang="en-US"/>
           </a:p>
         </p:txBody>
       </p:sp>
@@ -766,7 +758,7 @@
           <a:p>
             <a:fld id="{F7F1804B-E38C-47A4-9015-FFE7CDE9B6FC}" type="datetimeFigureOut">
               <a:rPr lang="en-US" smtClean="0"/>
-              <a:t>3/14/2016</a:t>
+              <a:t>9/2/2016</a:t>
             </a:fld>
             <a:endParaRPr lang="en-US"/>
           </a:p>
@@ -869,10 +861,9 @@
           </a:lstStyle>
           <a:p>
             <a:r>
-              <a:rPr lang="en-US" smtClean="0"/>
+              <a:rPr lang="en-US"/>
               <a:t>Click to edit Master title style</a:t>
             </a:r>
-            <a:endParaRPr lang="en-US"/>
           </a:p>
         </p:txBody>
       </p:sp>
@@ -989,7 +980,7 @@
           <a:p>
             <a:pPr lvl="0"/>
             <a:r>
-              <a:rPr lang="en-US" smtClean="0"/>
+              <a:rPr lang="en-US"/>
               <a:t>Click to edit Master text styles</a:t>
             </a:r>
           </a:p>
@@ -1012,7 +1003,7 @@
           <a:p>
             <a:fld id="{F7F1804B-E38C-47A4-9015-FFE7CDE9B6FC}" type="datetimeFigureOut">
               <a:rPr lang="en-US" smtClean="0"/>
-              <a:t>3/14/2016</a:t>
+              <a:t>9/2/2016</a:t>
             </a:fld>
             <a:endParaRPr lang="en-US"/>
           </a:p>
@@ -1106,10 +1097,9 @@
           <a:lstStyle/>
           <a:p>
             <a:r>
-              <a:rPr lang="en-US" smtClean="0"/>
+              <a:rPr lang="en-US"/>
               <a:t>Click to edit Master title style</a:t>
             </a:r>
-            <a:endParaRPr lang="en-US"/>
           </a:p>
         </p:txBody>
       </p:sp>
@@ -1135,38 +1125,37 @@
           <a:p>
             <a:pPr lvl="0"/>
             <a:r>
-              <a:rPr lang="en-US" smtClean="0"/>
+              <a:rPr lang="en-US"/>
               <a:t>Click to edit Master text styles</a:t>
             </a:r>
           </a:p>
           <a:p>
             <a:pPr lvl="1"/>
             <a:r>
-              <a:rPr lang="en-US" smtClean="0"/>
+              <a:rPr lang="en-US"/>
               <a:t>Second level</a:t>
             </a:r>
           </a:p>
           <a:p>
             <a:pPr lvl="2"/>
             <a:r>
-              <a:rPr lang="en-US" smtClean="0"/>
+              <a:rPr lang="en-US"/>
               <a:t>Third level</a:t>
             </a:r>
           </a:p>
           <a:p>
             <a:pPr lvl="3"/>
             <a:r>
-              <a:rPr lang="en-US" smtClean="0"/>
+              <a:rPr lang="en-US"/>
               <a:t>Fourth level</a:t>
             </a:r>
           </a:p>
           <a:p>
             <a:pPr lvl="4"/>
             <a:r>
-              <a:rPr lang="en-US" smtClean="0"/>
+              <a:rPr lang="en-US"/>
               <a:t>Fifth level</a:t>
             </a:r>
-            <a:endParaRPr lang="en-US"/>
           </a:p>
         </p:txBody>
       </p:sp>
@@ -1192,38 +1181,37 @@
           <a:p>
             <a:pPr lvl="0"/>
             <a:r>
-              <a:rPr lang="en-US" smtClean="0"/>
+              <a:rPr lang="en-US"/>
               <a:t>Click to edit Master text styles</a:t>
             </a:r>
           </a:p>
           <a:p>
             <a:pPr lvl="1"/>
             <a:r>
-              <a:rPr lang="en-US" smtClean="0"/>
+              <a:rPr lang="en-US"/>
               <a:t>Second level</a:t>
             </a:r>
           </a:p>
           <a:p>
             <a:pPr lvl="2"/>
             <a:r>
-              <a:rPr lang="en-US" smtClean="0"/>
+              <a:rPr lang="en-US"/>
               <a:t>Third level</a:t>
             </a:r>
           </a:p>
           <a:p>
             <a:pPr lvl="3"/>
             <a:r>
-              <a:rPr lang="en-US" smtClean="0"/>
+              <a:rPr lang="en-US"/>
               <a:t>Fourth level</a:t>
             </a:r>
           </a:p>
           <a:p>
             <a:pPr lvl="4"/>
             <a:r>
-              <a:rPr lang="en-US" smtClean="0"/>
+              <a:rPr lang="en-US"/>
               <a:t>Fifth level</a:t>
             </a:r>
-            <a:endParaRPr lang="en-US"/>
           </a:p>
         </p:txBody>
       </p:sp>
@@ -1244,7 +1232,7 @@
           <a:p>
             <a:fld id="{F7F1804B-E38C-47A4-9015-FFE7CDE9B6FC}" type="datetimeFigureOut">
               <a:rPr lang="en-US" smtClean="0"/>
-              <a:t>3/14/2016</a:t>
+              <a:t>9/2/2016</a:t>
             </a:fld>
             <a:endParaRPr lang="en-US"/>
           </a:p>
@@ -1343,10 +1331,9 @@
           <a:lstStyle/>
           <a:p>
             <a:r>
-              <a:rPr lang="en-US" smtClean="0"/>
+              <a:rPr lang="en-US"/>
               <a:t>Click to edit Master title style</a:t>
             </a:r>
-            <a:endParaRPr lang="en-US"/>
           </a:p>
         </p:txBody>
       </p:sp>
@@ -1409,7 +1396,7 @@
           <a:p>
             <a:pPr lvl="0"/>
             <a:r>
-              <a:rPr lang="en-US" smtClean="0"/>
+              <a:rPr lang="en-US"/>
               <a:t>Click to edit Master text styles</a:t>
             </a:r>
           </a:p>
@@ -1437,38 +1424,37 @@
           <a:p>
             <a:pPr lvl="0"/>
             <a:r>
-              <a:rPr lang="en-US" smtClean="0"/>
+              <a:rPr lang="en-US"/>
               <a:t>Click to edit Master text styles</a:t>
             </a:r>
           </a:p>
           <a:p>
             <a:pPr lvl="1"/>
             <a:r>
-              <a:rPr lang="en-US" smtClean="0"/>
+              <a:rPr lang="en-US"/>
               <a:t>Second level</a:t>
             </a:r>
           </a:p>
           <a:p>
             <a:pPr lvl="2"/>
             <a:r>
-              <a:rPr lang="en-US" smtClean="0"/>
+              <a:rPr lang="en-US"/>
               <a:t>Third level</a:t>
             </a:r>
           </a:p>
           <a:p>
             <a:pPr lvl="3"/>
             <a:r>
-              <a:rPr lang="en-US" smtClean="0"/>
+              <a:rPr lang="en-US"/>
               <a:t>Fourth level</a:t>
             </a:r>
           </a:p>
           <a:p>
             <a:pPr lvl="4"/>
             <a:r>
-              <a:rPr lang="en-US" smtClean="0"/>
+              <a:rPr lang="en-US"/>
               <a:t>Fifth level</a:t>
             </a:r>
-            <a:endParaRPr lang="en-US"/>
           </a:p>
         </p:txBody>
       </p:sp>
@@ -1531,7 +1517,7 @@
           <a:p>
             <a:pPr lvl="0"/>
             <a:r>
-              <a:rPr lang="en-US" smtClean="0"/>
+              <a:rPr lang="en-US"/>
               <a:t>Click to edit Master text styles</a:t>
             </a:r>
           </a:p>
@@ -1559,38 +1545,37 @@
           <a:p>
             <a:pPr lvl="0"/>
             <a:r>
-              <a:rPr lang="en-US" smtClean="0"/>
+              <a:rPr lang="en-US"/>
               <a:t>Click to edit Master text styles</a:t>
             </a:r>
           </a:p>
           <a:p>
             <a:pPr lvl="1"/>
             <a:r>
-              <a:rPr lang="en-US" smtClean="0"/>
+              <a:rPr lang="en-US"/>
               <a:t>Second level</a:t>
             </a:r>
           </a:p>
           <a:p>
             <a:pPr lvl="2"/>
             <a:r>
-              <a:rPr lang="en-US" smtClean="0"/>
+              <a:rPr lang="en-US"/>
               <a:t>Third level</a:t>
             </a:r>
           </a:p>
           <a:p>
             <a:pPr lvl="3"/>
             <a:r>
-              <a:rPr lang="en-US" smtClean="0"/>
+              <a:rPr lang="en-US"/>
               <a:t>Fourth level</a:t>
             </a:r>
           </a:p>
           <a:p>
             <a:pPr lvl="4"/>
             <a:r>
-              <a:rPr lang="en-US" smtClean="0"/>
+              <a:rPr lang="en-US"/>
               <a:t>Fifth level</a:t>
             </a:r>
-            <a:endParaRPr lang="en-US"/>
           </a:p>
         </p:txBody>
       </p:sp>
@@ -1611,7 +1596,7 @@
           <a:p>
             <a:fld id="{F7F1804B-E38C-47A4-9015-FFE7CDE9B6FC}" type="datetimeFigureOut">
               <a:rPr lang="en-US" smtClean="0"/>
-              <a:t>3/14/2016</a:t>
+              <a:t>9/2/2016</a:t>
             </a:fld>
             <a:endParaRPr lang="en-US"/>
           </a:p>
@@ -1705,10 +1690,9 @@
           <a:lstStyle/>
           <a:p>
             <a:r>
-              <a:rPr lang="en-US" smtClean="0"/>
+              <a:rPr lang="en-US"/>
               <a:t>Click to edit Master title style</a:t>
             </a:r>
-            <a:endParaRPr lang="en-US"/>
           </a:p>
         </p:txBody>
       </p:sp>
@@ -1729,7 +1713,7 @@
           <a:p>
             <a:fld id="{F7F1804B-E38C-47A4-9015-FFE7CDE9B6FC}" type="datetimeFigureOut">
               <a:rPr lang="en-US" smtClean="0"/>
-              <a:t>3/14/2016</a:t>
+              <a:t>9/2/2016</a:t>
             </a:fld>
             <a:endParaRPr lang="en-US"/>
           </a:p>
@@ -1824,7 +1808,7 @@
           <a:p>
             <a:fld id="{F7F1804B-E38C-47A4-9015-FFE7CDE9B6FC}" type="datetimeFigureOut">
               <a:rPr lang="en-US" smtClean="0"/>
-              <a:t>3/14/2016</a:t>
+              <a:t>9/2/2016</a:t>
             </a:fld>
             <a:endParaRPr lang="en-US"/>
           </a:p>
@@ -1927,10 +1911,9 @@
           </a:lstStyle>
           <a:p>
             <a:r>
-              <a:rPr lang="en-US" smtClean="0"/>
+              <a:rPr lang="en-US"/>
               <a:t>Click to edit Master title style</a:t>
             </a:r>
-            <a:endParaRPr lang="en-US"/>
           </a:p>
         </p:txBody>
       </p:sp>
@@ -1984,38 +1967,37 @@
           <a:p>
             <a:pPr lvl="0"/>
             <a:r>
-              <a:rPr lang="en-US" smtClean="0"/>
+              <a:rPr lang="en-US"/>
               <a:t>Click to edit Master text styles</a:t>
             </a:r>
           </a:p>
           <a:p>
             <a:pPr lvl="1"/>
             <a:r>
-              <a:rPr lang="en-US" smtClean="0"/>
+              <a:rPr lang="en-US"/>
               <a:t>Second level</a:t>
             </a:r>
           </a:p>
           <a:p>
             <a:pPr lvl="2"/>
             <a:r>
-              <a:rPr lang="en-US" smtClean="0"/>
+              <a:rPr lang="en-US"/>
               <a:t>Third level</a:t>
             </a:r>
           </a:p>
           <a:p>
             <a:pPr lvl="3"/>
             <a:r>
-              <a:rPr lang="en-US" smtClean="0"/>
+              <a:rPr lang="en-US"/>
               <a:t>Fourth level</a:t>
             </a:r>
           </a:p>
           <a:p>
             <a:pPr lvl="4"/>
             <a:r>
-              <a:rPr lang="en-US" smtClean="0"/>
+              <a:rPr lang="en-US"/>
               <a:t>Fifth level</a:t>
             </a:r>
-            <a:endParaRPr lang="en-US"/>
           </a:p>
         </p:txBody>
       </p:sp>
@@ -2078,7 +2060,7 @@
           <a:p>
             <a:pPr lvl="0"/>
             <a:r>
-              <a:rPr lang="en-US" smtClean="0"/>
+              <a:rPr lang="en-US"/>
               <a:t>Click to edit Master text styles</a:t>
             </a:r>
           </a:p>
@@ -2101,7 +2083,7 @@
           <a:p>
             <a:fld id="{F7F1804B-E38C-47A4-9015-FFE7CDE9B6FC}" type="datetimeFigureOut">
               <a:rPr lang="en-US" smtClean="0"/>
-              <a:t>3/14/2016</a:t>
+              <a:t>9/2/2016</a:t>
             </a:fld>
             <a:endParaRPr lang="en-US"/>
           </a:p>
@@ -2204,10 +2186,9 @@
           </a:lstStyle>
           <a:p>
             <a:r>
-              <a:rPr lang="en-US" smtClean="0"/>
+              <a:rPr lang="en-US"/>
               <a:t>Click to edit Master title style</a:t>
             </a:r>
-            <a:endParaRPr lang="en-US"/>
           </a:p>
         </p:txBody>
       </p:sp>
@@ -2331,7 +2312,7 @@
           <a:p>
             <a:pPr lvl="0"/>
             <a:r>
-              <a:rPr lang="en-US" smtClean="0"/>
+              <a:rPr lang="en-US"/>
               <a:t>Click to edit Master text styles</a:t>
             </a:r>
           </a:p>
@@ -2354,7 +2335,7 @@
           <a:p>
             <a:fld id="{F7F1804B-E38C-47A4-9015-FFE7CDE9B6FC}" type="datetimeFigureOut">
               <a:rPr lang="en-US" smtClean="0"/>
-              <a:t>3/14/2016</a:t>
+              <a:t>9/2/2016</a:t>
             </a:fld>
             <a:endParaRPr lang="en-US"/>
           </a:p>
@@ -2463,10 +2444,9 @@
           <a:lstStyle/>
           <a:p>
             <a:r>
-              <a:rPr lang="en-US" smtClean="0"/>
+              <a:rPr lang="en-US"/>
               <a:t>Click to edit Master title style</a:t>
             </a:r>
-            <a:endParaRPr lang="en-US"/>
           </a:p>
         </p:txBody>
       </p:sp>
@@ -2497,38 +2477,37 @@
           <a:p>
             <a:pPr lvl="0"/>
             <a:r>
-              <a:rPr lang="en-US" smtClean="0"/>
+              <a:rPr lang="en-US"/>
               <a:t>Click to edit Master text styles</a:t>
             </a:r>
           </a:p>
           <a:p>
             <a:pPr lvl="1"/>
             <a:r>
-              <a:rPr lang="en-US" smtClean="0"/>
+              <a:rPr lang="en-US"/>
               <a:t>Second level</a:t>
             </a:r>
           </a:p>
           <a:p>
             <a:pPr lvl="2"/>
             <a:r>
-              <a:rPr lang="en-US" smtClean="0"/>
+              <a:rPr lang="en-US"/>
               <a:t>Third level</a:t>
             </a:r>
           </a:p>
           <a:p>
             <a:pPr lvl="3"/>
             <a:r>
-              <a:rPr lang="en-US" smtClean="0"/>
+              <a:rPr lang="en-US"/>
               <a:t>Fourth level</a:t>
             </a:r>
           </a:p>
           <a:p>
             <a:pPr lvl="4"/>
             <a:r>
-              <a:rPr lang="en-US" smtClean="0"/>
+              <a:rPr lang="en-US"/>
               <a:t>Fifth level</a:t>
             </a:r>
-            <a:endParaRPr lang="en-US"/>
           </a:p>
         </p:txBody>
       </p:sp>
@@ -2567,7 +2546,7 @@
           <a:p>
             <a:fld id="{F7F1804B-E38C-47A4-9015-FFE7CDE9B6FC}" type="datetimeFigureOut">
               <a:rPr lang="en-US" smtClean="0"/>
-              <a:t>3/14/2016</a:t>
+              <a:t>9/2/2016</a:t>
             </a:fld>
             <a:endParaRPr lang="en-US"/>
           </a:p>
@@ -2988,7 +2967,7 @@
           <a:lstStyle/>
           <a:p>
             <a:r>
-              <a:rPr lang="en-US" dirty="0" err="1" smtClean="0"/>
+              <a:rPr lang="en-US" dirty="0" err="1"/>
               <a:t>ReplicatedEventSample</a:t>
             </a:r>
             <a:endParaRPr lang="en-US" dirty="0"/>
@@ -3081,10 +3060,9 @@
           <a:p>
             <a:pPr algn="r"/>
             <a:r>
-              <a:rPr lang="en-US" dirty="0" smtClean="0"/>
+              <a:rPr lang="en-US" dirty="0"/>
               <a:t>FrontDeployment1</a:t>
             </a:r>
-            <a:endParaRPr lang="en-US" dirty="0"/>
           </a:p>
         </p:txBody>
       </p:sp>
@@ -3104,10 +3082,9 @@
           <a:lstStyle/>
           <a:p>
             <a:r>
-              <a:rPr lang="en-US" dirty="0" smtClean="0"/>
+              <a:rPr lang="en-US" dirty="0"/>
               <a:t>Sample Organization</a:t>
             </a:r>
-            <a:endParaRPr lang="en-US" dirty="0"/>
           </a:p>
         </p:txBody>
       </p:sp>
@@ -3159,18 +3136,13 @@
           <a:p>
             <a:pPr algn="ctr"/>
             <a:r>
-              <a:rPr lang="en-US" dirty="0" smtClean="0">
+              <a:rPr lang="en-US" dirty="0">
                 <a:solidFill>
                   <a:schemeClr val="tx1"/>
                 </a:solidFill>
               </a:rPr>
               <a:t>Orleans</a:t>
             </a:r>
-            <a:endParaRPr lang="en-US" dirty="0">
-              <a:solidFill>
-                <a:schemeClr val="tx1"/>
-              </a:solidFill>
-            </a:endParaRPr>
           </a:p>
         </p:txBody>
       </p:sp>
@@ -3222,7 +3194,7 @@
           <a:p>
             <a:pPr algn="ctr"/>
             <a:r>
-              <a:rPr lang="en-US" dirty="0" err="1" smtClean="0">
+              <a:rPr lang="en-US" dirty="0" err="1">
                 <a:solidFill>
                   <a:schemeClr val="tx1"/>
                 </a:solidFill>
@@ -3274,10 +3246,9 @@
           <a:p>
             <a:pPr algn="r"/>
             <a:r>
-              <a:rPr lang="en-US" dirty="0" smtClean="0"/>
+              <a:rPr lang="en-US" dirty="0"/>
               <a:t>FrontDeployment2</a:t>
             </a:r>
-            <a:endParaRPr lang="en-US" dirty="0"/>
           </a:p>
         </p:txBody>
       </p:sp>
@@ -3329,18 +3300,13 @@
           <a:p>
             <a:pPr algn="ctr"/>
             <a:r>
-              <a:rPr lang="en-US" dirty="0" smtClean="0">
+              <a:rPr lang="en-US" dirty="0">
                 <a:solidFill>
                   <a:schemeClr val="tx1"/>
                 </a:solidFill>
               </a:rPr>
               <a:t>Orleans</a:t>
             </a:r>
-            <a:endParaRPr lang="en-US" dirty="0">
-              <a:solidFill>
-                <a:schemeClr val="tx1"/>
-              </a:solidFill>
-            </a:endParaRPr>
           </a:p>
         </p:txBody>
       </p:sp>
@@ -3392,7 +3358,7 @@
           <a:p>
             <a:pPr algn="ctr"/>
             <a:r>
-              <a:rPr lang="en-US" dirty="0" err="1" smtClean="0">
+              <a:rPr lang="en-US" dirty="0" err="1">
                 <a:solidFill>
                   <a:schemeClr val="tx1"/>
                 </a:solidFill>
@@ -3444,7 +3410,7 @@
           <a:p>
             <a:pPr algn="r"/>
             <a:r>
-              <a:rPr lang="en-US" dirty="0" err="1" smtClean="0"/>
+              <a:rPr lang="en-US" dirty="0" err="1"/>
               <a:t>BackDeployment</a:t>
             </a:r>
             <a:endParaRPr lang="en-US" dirty="0"/>
@@ -3499,7 +3465,7 @@
           <a:p>
             <a:pPr algn="ctr"/>
             <a:r>
-              <a:rPr lang="en-US" dirty="0" err="1" smtClean="0">
+              <a:rPr lang="en-US" dirty="0" err="1">
                 <a:solidFill>
                   <a:schemeClr val="tx1"/>
                 </a:solidFill>
@@ -3562,18 +3528,13 @@
           <a:p>
             <a:pPr algn="ctr"/>
             <a:r>
-              <a:rPr lang="en-US" dirty="0" smtClean="0">
+              <a:rPr lang="en-US" dirty="0">
                 <a:solidFill>
                   <a:schemeClr val="tx1"/>
                 </a:solidFill>
               </a:rPr>
               <a:t>Orleans</a:t>
             </a:r>
-            <a:endParaRPr lang="en-US" dirty="0">
-              <a:solidFill>
-                <a:schemeClr val="tx1"/>
-              </a:solidFill>
-            </a:endParaRPr>
           </a:p>
         </p:txBody>
       </p:sp>
@@ -3614,18 +3575,13 @@
           <a:p>
             <a:pPr algn="ctr"/>
             <a:r>
-              <a:rPr lang="en-US" dirty="0" smtClean="0">
+              <a:rPr lang="en-US" dirty="0">
                 <a:solidFill>
                   <a:schemeClr val="tx1"/>
                 </a:solidFill>
               </a:rPr>
               <a:t>events</a:t>
             </a:r>
-            <a:endParaRPr lang="en-US" dirty="0">
-              <a:solidFill>
-                <a:schemeClr val="tx1"/>
-              </a:solidFill>
-            </a:endParaRPr>
           </a:p>
         </p:txBody>
       </p:sp>
@@ -3666,18 +3622,13 @@
           <a:p>
             <a:pPr algn="ctr"/>
             <a:r>
-              <a:rPr lang="en-US" dirty="0" smtClean="0">
+              <a:rPr lang="en-US" dirty="0">
                 <a:solidFill>
                   <a:schemeClr val="tx1"/>
                 </a:solidFill>
               </a:rPr>
               <a:t>events</a:t>
             </a:r>
-            <a:endParaRPr lang="en-US" dirty="0">
-              <a:solidFill>
-                <a:schemeClr val="tx1"/>
-              </a:solidFill>
-            </a:endParaRPr>
           </a:p>
         </p:txBody>
       </p:sp>
@@ -3718,18 +3669,13 @@
           <a:p>
             <a:pPr algn="ctr"/>
             <a:r>
-              <a:rPr lang="en-US" dirty="0" smtClean="0">
+              <a:rPr lang="en-US" dirty="0">
                 <a:solidFill>
                   <a:schemeClr val="tx1"/>
                 </a:solidFill>
               </a:rPr>
               <a:t>events</a:t>
             </a:r>
-            <a:endParaRPr lang="en-US" dirty="0">
-              <a:solidFill>
-                <a:schemeClr val="tx1"/>
-              </a:solidFill>
-            </a:endParaRPr>
           </a:p>
         </p:txBody>
       </p:sp>
@@ -3770,18 +3716,13 @@
           <a:p>
             <a:pPr algn="ctr"/>
             <a:r>
-              <a:rPr lang="en-US" dirty="0" smtClean="0">
+              <a:rPr lang="en-US" dirty="0">
                 <a:solidFill>
                   <a:schemeClr val="tx1"/>
                 </a:solidFill>
               </a:rPr>
               <a:t>events</a:t>
             </a:r>
-            <a:endParaRPr lang="en-US" dirty="0">
-              <a:solidFill>
-                <a:schemeClr val="tx1"/>
-              </a:solidFill>
-            </a:endParaRPr>
           </a:p>
         </p:txBody>
       </p:sp>
@@ -3822,18 +3763,13 @@
           <a:p>
             <a:pPr algn="ctr"/>
             <a:r>
-              <a:rPr lang="en-US" dirty="0" smtClean="0">
+              <a:rPr lang="en-US" dirty="0">
                 <a:solidFill>
                   <a:schemeClr val="tx1"/>
                 </a:solidFill>
               </a:rPr>
               <a:t>events</a:t>
             </a:r>
-            <a:endParaRPr lang="en-US" dirty="0">
-              <a:solidFill>
-                <a:schemeClr val="tx1"/>
-              </a:solidFill>
-            </a:endParaRPr>
           </a:p>
         </p:txBody>
       </p:sp>
@@ -3874,18 +3810,13 @@
           <a:p>
             <a:pPr algn="ctr"/>
             <a:r>
-              <a:rPr lang="en-US" dirty="0" smtClean="0">
+              <a:rPr lang="en-US" dirty="0">
                 <a:solidFill>
                   <a:schemeClr val="tx1"/>
                 </a:solidFill>
               </a:rPr>
               <a:t>events</a:t>
             </a:r>
-            <a:endParaRPr lang="en-US" dirty="0">
-              <a:solidFill>
-                <a:schemeClr val="tx1"/>
-              </a:solidFill>
-            </a:endParaRPr>
           </a:p>
         </p:txBody>
       </p:sp>
@@ -3926,18 +3857,13 @@
           <a:p>
             <a:pPr algn="ctr"/>
             <a:r>
-              <a:rPr lang="en-US" dirty="0" smtClean="0">
+              <a:rPr lang="en-US" dirty="0">
                 <a:solidFill>
                   <a:schemeClr val="tx1"/>
                 </a:solidFill>
               </a:rPr>
               <a:t>events</a:t>
             </a:r>
-            <a:endParaRPr lang="en-US" dirty="0">
-              <a:solidFill>
-                <a:schemeClr val="tx1"/>
-              </a:solidFill>
-            </a:endParaRPr>
           </a:p>
         </p:txBody>
       </p:sp>
@@ -3978,18 +3904,13 @@
           <a:p>
             <a:pPr algn="ctr"/>
             <a:r>
-              <a:rPr lang="en-US" dirty="0" smtClean="0">
+              <a:rPr lang="en-US" dirty="0">
                 <a:solidFill>
                   <a:schemeClr val="tx1"/>
                 </a:solidFill>
               </a:rPr>
               <a:t>events</a:t>
             </a:r>
-            <a:endParaRPr lang="en-US" dirty="0">
-              <a:solidFill>
-                <a:schemeClr val="tx1"/>
-              </a:solidFill>
-            </a:endParaRPr>
           </a:p>
         </p:txBody>
       </p:sp>
@@ -4030,18 +3951,13 @@
           <a:p>
             <a:pPr algn="ctr"/>
             <a:r>
-              <a:rPr lang="en-US" dirty="0" smtClean="0">
+              <a:rPr lang="en-US" dirty="0">
                 <a:solidFill>
                   <a:schemeClr val="tx1"/>
                 </a:solidFill>
               </a:rPr>
               <a:t>events</a:t>
             </a:r>
-            <a:endParaRPr lang="en-US" dirty="0">
-              <a:solidFill>
-                <a:schemeClr val="tx1"/>
-              </a:solidFill>
-            </a:endParaRPr>
           </a:p>
         </p:txBody>
       </p:sp>
@@ -4082,18 +3998,13 @@
           <a:p>
             <a:pPr algn="ctr"/>
             <a:r>
-              <a:rPr lang="en-US" dirty="0" smtClean="0">
+              <a:rPr lang="en-US" dirty="0">
                 <a:solidFill>
                   <a:schemeClr val="tx1"/>
                 </a:solidFill>
               </a:rPr>
               <a:t>ticker</a:t>
             </a:r>
-            <a:endParaRPr lang="en-US" dirty="0">
-              <a:solidFill>
-                <a:schemeClr val="tx1"/>
-              </a:solidFill>
-            </a:endParaRPr>
           </a:p>
         </p:txBody>
       </p:sp>
@@ -4134,18 +4045,13 @@
           <a:p>
             <a:pPr algn="ctr"/>
             <a:r>
-              <a:rPr lang="en-US" dirty="0" smtClean="0">
+              <a:rPr lang="en-US" dirty="0">
                 <a:solidFill>
                   <a:schemeClr val="tx1"/>
                 </a:solidFill>
               </a:rPr>
               <a:t>ticker</a:t>
             </a:r>
-            <a:endParaRPr lang="en-US" dirty="0">
-              <a:solidFill>
-                <a:schemeClr val="tx1"/>
-              </a:solidFill>
-            </a:endParaRPr>
           </a:p>
         </p:txBody>
       </p:sp>
@@ -4186,18 +4092,13 @@
           <a:p>
             <a:pPr algn="ctr"/>
             <a:r>
-              <a:rPr lang="en-US" dirty="0" smtClean="0">
+              <a:rPr lang="en-US" dirty="0">
                 <a:solidFill>
                   <a:schemeClr val="tx1"/>
                 </a:solidFill>
               </a:rPr>
               <a:t>generator</a:t>
             </a:r>
-            <a:endParaRPr lang="en-US" dirty="0">
-              <a:solidFill>
-                <a:schemeClr val="tx1"/>
-              </a:solidFill>
-            </a:endParaRPr>
           </a:p>
         </p:txBody>
       </p:sp>
@@ -4238,18 +4139,13 @@
           <a:p>
             <a:pPr algn="ctr"/>
             <a:r>
-              <a:rPr lang="en-US" dirty="0" smtClean="0">
+              <a:rPr lang="en-US" dirty="0">
                 <a:solidFill>
                   <a:schemeClr val="tx1"/>
                 </a:solidFill>
               </a:rPr>
               <a:t>generator</a:t>
             </a:r>
-            <a:endParaRPr lang="en-US" dirty="0">
-              <a:solidFill>
-                <a:schemeClr val="tx1"/>
-              </a:solidFill>
-            </a:endParaRPr>
           </a:p>
         </p:txBody>
       </p:sp>
@@ -4290,18 +4186,13 @@
           <a:p>
             <a:pPr algn="ctr"/>
             <a:r>
-              <a:rPr lang="en-US" dirty="0" smtClean="0">
+              <a:rPr lang="en-US" dirty="0">
                 <a:solidFill>
                   <a:schemeClr val="tx1"/>
                 </a:solidFill>
               </a:rPr>
               <a:t>generator</a:t>
             </a:r>
-            <a:endParaRPr lang="en-US" dirty="0">
-              <a:solidFill>
-                <a:schemeClr val="tx1"/>
-              </a:solidFill>
-            </a:endParaRPr>
           </a:p>
         </p:txBody>
       </p:sp>
@@ -4342,17 +4233,16 @@
           <a:p>
             <a:pPr algn="ctr"/>
             <a:r>
-              <a:rPr lang="en-US" dirty="0" smtClean="0"/>
+              <a:rPr lang="en-US" dirty="0"/>
               <a:t>Browser</a:t>
             </a:r>
             <a:br>
-              <a:rPr lang="en-US" dirty="0" smtClean="0"/>
+              <a:rPr lang="en-US" dirty="0"/>
             </a:br>
             <a:r>
-              <a:rPr lang="en-US" dirty="0" smtClean="0"/>
+              <a:rPr lang="en-US" dirty="0"/>
               <a:t>GUI</a:t>
             </a:r>
-            <a:endParaRPr lang="en-US" dirty="0"/>
           </a:p>
         </p:txBody>
       </p:sp>
@@ -4393,17 +4283,16 @@
           <a:p>
             <a:pPr algn="ctr"/>
             <a:r>
-              <a:rPr lang="en-US" dirty="0" smtClean="0"/>
+              <a:rPr lang="en-US" dirty="0"/>
               <a:t>Browser</a:t>
             </a:r>
             <a:br>
-              <a:rPr lang="en-US" dirty="0" smtClean="0"/>
+              <a:rPr lang="en-US" dirty="0"/>
             </a:br>
             <a:r>
-              <a:rPr lang="en-US" dirty="0" smtClean="0"/>
+              <a:rPr lang="en-US" dirty="0"/>
               <a:t>GUI</a:t>
             </a:r>
-            <a:endParaRPr lang="en-US" dirty="0"/>
           </a:p>
         </p:txBody>
       </p:sp>
@@ -4444,17 +4333,16 @@
           <a:p>
             <a:pPr algn="ctr"/>
             <a:r>
-              <a:rPr lang="en-US" dirty="0" smtClean="0"/>
+              <a:rPr lang="en-US" dirty="0"/>
               <a:t>Browser</a:t>
             </a:r>
             <a:br>
-              <a:rPr lang="en-US" dirty="0" smtClean="0"/>
+              <a:rPr lang="en-US" dirty="0"/>
             </a:br>
             <a:r>
-              <a:rPr lang="en-US" dirty="0" smtClean="0"/>
+              <a:rPr lang="en-US" dirty="0"/>
               <a:t>GUI</a:t>
             </a:r>
-            <a:endParaRPr lang="en-US" dirty="0"/>
           </a:p>
         </p:txBody>
       </p:sp>
@@ -4509,10 +4397,9 @@
           <a:lstStyle/>
           <a:p>
             <a:r>
-              <a:rPr lang="en-US" dirty="0" smtClean="0"/>
+              <a:rPr lang="en-US" dirty="0"/>
               <a:t>Three Grain Classes</a:t>
             </a:r>
-            <a:endParaRPr lang="en-US" dirty="0"/>
           </a:p>
         </p:txBody>
       </p:sp>
@@ -4539,101 +4426,101 @@
           <a:lstStyle/>
           <a:p>
             <a:r>
-              <a:rPr lang="en-US" dirty="0" err="1" smtClean="0"/>
+              <a:rPr lang="en-US" dirty="0" err="1"/>
               <a:t>GeneratorGrain</a:t>
             </a:r>
             <a:r>
-              <a:rPr lang="en-US" dirty="0" smtClean="0"/>
+              <a:rPr lang="en-US" dirty="0"/>
               <a:t> (0-9)</a:t>
             </a:r>
           </a:p>
           <a:p>
             <a:pPr lvl="1"/>
             <a:r>
-              <a:rPr lang="en-US" dirty="0" smtClean="0"/>
+              <a:rPr lang="en-US" dirty="0"/>
               <a:t>starts generating when GUI  calls Start()</a:t>
             </a:r>
           </a:p>
           <a:p>
             <a:pPr lvl="1"/>
             <a:r>
-              <a:rPr lang="en-US" dirty="0" smtClean="0"/>
+              <a:rPr lang="en-US" dirty="0"/>
               <a:t>creates outcomes (triple of name, score, timestamp) about 1 per second</a:t>
             </a:r>
           </a:p>
           <a:p>
             <a:r>
-              <a:rPr lang="en-US" dirty="0" err="1" smtClean="0"/>
+              <a:rPr lang="en-US" dirty="0" err="1"/>
               <a:t>EventGrain</a:t>
             </a:r>
             <a:r>
-              <a:rPr lang="en-US" dirty="0" smtClean="0"/>
+              <a:rPr lang="en-US" dirty="0"/>
               <a:t> (event0 – event9)</a:t>
             </a:r>
           </a:p>
           <a:p>
             <a:pPr lvl="1"/>
             <a:r>
-              <a:rPr lang="en-US" dirty="0" smtClean="0"/>
+              <a:rPr lang="en-US" dirty="0"/>
               <a:t>receives outcomes from corresponding generator</a:t>
             </a:r>
           </a:p>
           <a:p>
             <a:pPr lvl="1"/>
             <a:r>
-              <a:rPr lang="en-US" dirty="0" smtClean="0"/>
+              <a:rPr lang="en-US" dirty="0"/>
               <a:t>records ranks</a:t>
             </a:r>
           </a:p>
           <a:p>
             <a:pPr lvl="1"/>
             <a:r>
-              <a:rPr lang="en-US" dirty="0" smtClean="0"/>
+              <a:rPr lang="en-US" dirty="0"/>
               <a:t>answers queries by frontend GUI</a:t>
             </a:r>
           </a:p>
           <a:p>
             <a:pPr lvl="1"/>
             <a:r>
-              <a:rPr lang="en-US" dirty="0" smtClean="0"/>
+              <a:rPr lang="en-US" dirty="0"/>
               <a:t>sends notification to ticker, when interesting things happen</a:t>
             </a:r>
           </a:p>
           <a:p>
             <a:pPr lvl="1"/>
             <a:r>
-              <a:rPr lang="en-US" dirty="0" smtClean="0"/>
+              <a:rPr lang="en-US" dirty="0"/>
               <a:t>are replicated across all deployment</a:t>
             </a:r>
           </a:p>
           <a:p>
             <a:r>
-              <a:rPr lang="en-US" dirty="0" err="1" smtClean="0"/>
+              <a:rPr lang="en-US" dirty="0" err="1"/>
               <a:t>TickerGrain</a:t>
             </a:r>
             <a:r>
-              <a:rPr lang="en-US" dirty="0" smtClean="0"/>
+              <a:rPr lang="en-US" dirty="0"/>
               <a:t> </a:t>
             </a:r>
           </a:p>
           <a:p>
             <a:pPr lvl="1"/>
             <a:r>
-              <a:rPr lang="en-US" dirty="0" smtClean="0"/>
+              <a:rPr lang="en-US" dirty="0"/>
               <a:t>one per deployment</a:t>
             </a:r>
           </a:p>
           <a:p>
             <a:pPr lvl="1"/>
             <a:r>
-              <a:rPr lang="en-US" dirty="0" smtClean="0"/>
+              <a:rPr lang="en-US" dirty="0"/>
               <a:t>stores most recent notification (by any event) for some short time</a:t>
             </a:r>
           </a:p>
           <a:p>
             <a:pPr lvl="1"/>
             <a:r>
-              <a:rPr lang="en-US" dirty="0" smtClean="0"/>
+              <a:rPr lang="en-US" dirty="0"/>
               <a:t>continuously queried by GUI (ideally we would be pushing this to browser)</a:t>
             </a:r>
           </a:p>
@@ -4679,33 +4566,10 @@
             <p:ph type="title"/>
           </p:nvPr>
         </p:nvSpPr>
-        <p:spPr/>
-        <p:txBody>
-          <a:bodyPr/>
-          <a:lstStyle/>
-          <a:p>
-            <a:r>
-              <a:rPr lang="en-US" dirty="0" smtClean="0"/>
-              <a:t>Replication Mechanism:</a:t>
-            </a:r>
-            <a:endParaRPr lang="en-US" dirty="0"/>
-          </a:p>
-        </p:txBody>
-      </p:sp>
-      <p:sp>
-        <p:nvSpPr>
-          <p:cNvPr id="3" name="Content Placeholder 2"/>
-          <p:cNvSpPr>
-            <a:spLocks noGrp="1"/>
-          </p:cNvSpPr>
-          <p:nvPr>
-            <p:ph idx="1"/>
-          </p:nvPr>
-        </p:nvSpPr>
         <p:spPr>
           <a:xfrm>
-            <a:off x="838200" y="1940767"/>
-            <a:ext cx="10515600" cy="4236196"/>
+            <a:off x="0" y="0"/>
+            <a:ext cx="10515600" cy="1325563"/>
           </a:xfrm>
         </p:spPr>
         <p:txBody>
@@ -4713,42 +4577,482 @@
           <a:lstStyle/>
           <a:p>
             <a:r>
-              <a:rPr lang="en-US" dirty="0" smtClean="0"/>
-              <a:t>Currently: not persisted, not reliable</a:t>
+              <a:rPr lang="en-US" dirty="0"/>
+              <a:t>Mechanics of Event Grains:</a:t>
+            </a:r>
+          </a:p>
+        </p:txBody>
+      </p:sp>
+      <p:sp>
+        <p:nvSpPr>
+          <p:cNvPr id="3" name="Content Placeholder 2"/>
+          <p:cNvSpPr>
+            <a:spLocks noGrp="1"/>
+          </p:cNvSpPr>
+          <p:nvPr>
+            <p:ph idx="1"/>
+          </p:nvPr>
+        </p:nvSpPr>
+        <p:spPr>
+          <a:xfrm>
+            <a:off x="596152" y="1223682"/>
+            <a:ext cx="11116235" cy="5096436"/>
+          </a:xfrm>
+        </p:spPr>
+        <p:txBody>
+          <a:bodyPr>
+            <a:normAutofit lnSpcReduction="10000"/>
+          </a:bodyPr>
+          <a:lstStyle/>
+          <a:p>
+            <a:r>
+              <a:rPr lang="en-US" dirty="0"/>
+              <a:t>Event grains are queued grains (replicated, one instance in each cluster)</a:t>
+            </a:r>
+          </a:p>
+          <a:p>
+            <a:endParaRPr lang="en-US" dirty="0"/>
+          </a:p>
+          <a:p>
+            <a:r>
+              <a:rPr lang="en-US" dirty="0"/>
+              <a:t>The provider is configured in OrleansConfiguration.xml: </a:t>
             </a:r>
             <a:br>
-              <a:rPr lang="en-US" dirty="0" smtClean="0"/>
+              <a:rPr lang="en-US" dirty="0"/>
             </a:br>
             <a:r>
-              <a:rPr lang="en-US" dirty="0" smtClean="0"/>
-              <a:t>(we just </a:t>
-            </a:r>
-            <a:r>
-              <a:rPr lang="en-US" dirty="0" err="1" smtClean="0"/>
-              <a:t>MemoryStorage</a:t>
-            </a:r>
-            <a:r>
-              <a:rPr lang="en-US" dirty="0" smtClean="0"/>
-              <a:t> on top of global-single-instance) </a:t>
+              <a:rPr lang="en-US" sz="1200" dirty="0">
+                <a:solidFill>
+                  <a:srgbClr val="0000FF"/>
+                </a:solidFill>
+                <a:highlight>
+                  <a:srgbClr val="FFFFFF"/>
+                </a:highlight>
+                <a:latin typeface="Consolas" panose="020B0609020204030204" pitchFamily="49" charset="0"/>
+              </a:rPr>
+              <a:t>&lt;</a:t>
+            </a:r>
+            <a:r>
+              <a:rPr lang="en-US" sz="1200" dirty="0">
+                <a:solidFill>
+                  <a:srgbClr val="A31515"/>
+                </a:solidFill>
+                <a:highlight>
+                  <a:srgbClr val="FFFFFF"/>
+                </a:highlight>
+                <a:latin typeface="Consolas" panose="020B0609020204030204" pitchFamily="49" charset="0"/>
+              </a:rPr>
+              <a:t>Provider</a:t>
+            </a:r>
+            <a:r>
+              <a:rPr lang="en-US" sz="1200" dirty="0">
+                <a:solidFill>
+                  <a:srgbClr val="0000FF"/>
+                </a:solidFill>
+                <a:highlight>
+                  <a:srgbClr val="FFFFFF"/>
+                </a:highlight>
+                <a:latin typeface="Consolas" panose="020B0609020204030204" pitchFamily="49" charset="0"/>
+              </a:rPr>
+              <a:t> </a:t>
+            </a:r>
+            <a:r>
+              <a:rPr lang="en-US" sz="1200" dirty="0">
+                <a:solidFill>
+                  <a:srgbClr val="FF0000"/>
+                </a:solidFill>
+                <a:highlight>
+                  <a:srgbClr val="FFFFFF"/>
+                </a:highlight>
+                <a:latin typeface="Consolas" panose="020B0609020204030204" pitchFamily="49" charset="0"/>
+              </a:rPr>
+              <a:t>Type</a:t>
+            </a:r>
+            <a:r>
+              <a:rPr lang="en-US" sz="1200" dirty="0">
+                <a:solidFill>
+                  <a:srgbClr val="0000FF"/>
+                </a:solidFill>
+                <a:highlight>
+                  <a:srgbClr val="FFFFFF"/>
+                </a:highlight>
+                <a:latin typeface="Consolas" panose="020B0609020204030204" pitchFamily="49" charset="0"/>
+              </a:rPr>
+              <a:t>=</a:t>
+            </a:r>
+            <a:r>
+              <a:rPr lang="en-US" sz="1200" dirty="0">
+                <a:solidFill>
+                  <a:srgbClr val="000000"/>
+                </a:solidFill>
+                <a:highlight>
+                  <a:srgbClr val="FFFFFF"/>
+                </a:highlight>
+                <a:latin typeface="Consolas" panose="020B0609020204030204" pitchFamily="49" charset="0"/>
+              </a:rPr>
+              <a:t>"</a:t>
+            </a:r>
+            <a:r>
+              <a:rPr lang="en-US" sz="1200" dirty="0" err="1">
+                <a:solidFill>
+                  <a:srgbClr val="0000FF"/>
+                </a:solidFill>
+                <a:highlight>
+                  <a:srgbClr val="FFFFFF"/>
+                </a:highlight>
+                <a:latin typeface="Consolas" panose="020B0609020204030204" pitchFamily="49" charset="0"/>
+              </a:rPr>
+              <a:t>Orleans.Providers.LogViews.CustomStorageProvider</a:t>
+            </a:r>
+            <a:r>
+              <a:rPr lang="en-US" sz="1200" dirty="0">
+                <a:solidFill>
+                  <a:srgbClr val="000000"/>
+                </a:solidFill>
+                <a:highlight>
+                  <a:srgbClr val="FFFFFF"/>
+                </a:highlight>
+                <a:latin typeface="Consolas" panose="020B0609020204030204" pitchFamily="49" charset="0"/>
+              </a:rPr>
+              <a:t>"</a:t>
+            </a:r>
+            <a:r>
+              <a:rPr lang="en-US" sz="1200" dirty="0">
+                <a:solidFill>
+                  <a:srgbClr val="0000FF"/>
+                </a:solidFill>
+                <a:highlight>
+                  <a:srgbClr val="FFFFFF"/>
+                </a:highlight>
+                <a:latin typeface="Consolas" panose="020B0609020204030204" pitchFamily="49" charset="0"/>
+              </a:rPr>
+              <a:t> </a:t>
+            </a:r>
+            <a:r>
+              <a:rPr lang="en-US" sz="1200" dirty="0">
+                <a:solidFill>
+                  <a:srgbClr val="FF0000"/>
+                </a:solidFill>
+                <a:highlight>
+                  <a:srgbClr val="FFFFFF"/>
+                </a:highlight>
+                <a:latin typeface="Consolas" panose="020B0609020204030204" pitchFamily="49" charset="0"/>
+              </a:rPr>
+              <a:t>Name</a:t>
+            </a:r>
+            <a:r>
+              <a:rPr lang="en-US" sz="1200" dirty="0">
+                <a:solidFill>
+                  <a:srgbClr val="0000FF"/>
+                </a:solidFill>
+                <a:highlight>
+                  <a:srgbClr val="FFFFFF"/>
+                </a:highlight>
+                <a:latin typeface="Consolas" panose="020B0609020204030204" pitchFamily="49" charset="0"/>
+              </a:rPr>
+              <a:t>=</a:t>
+            </a:r>
+            <a:r>
+              <a:rPr lang="en-US" sz="1200" dirty="0">
+                <a:solidFill>
+                  <a:srgbClr val="000000"/>
+                </a:solidFill>
+                <a:highlight>
+                  <a:srgbClr val="FFFFFF"/>
+                </a:highlight>
+                <a:latin typeface="Consolas" panose="020B0609020204030204" pitchFamily="49" charset="0"/>
+              </a:rPr>
+              <a:t>"</a:t>
+            </a:r>
+            <a:r>
+              <a:rPr lang="en-US" sz="1200" dirty="0" err="1">
+                <a:solidFill>
+                  <a:srgbClr val="0000FF"/>
+                </a:solidFill>
+                <a:highlight>
+                  <a:srgbClr val="FFFFFF"/>
+                </a:highlight>
+                <a:latin typeface="Consolas" panose="020B0609020204030204" pitchFamily="49" charset="0"/>
+              </a:rPr>
+              <a:t>CustomStorage</a:t>
+            </a:r>
+            <a:r>
+              <a:rPr lang="en-US" sz="1200" dirty="0">
+                <a:solidFill>
+                  <a:srgbClr val="000000"/>
+                </a:solidFill>
+                <a:highlight>
+                  <a:srgbClr val="FFFFFF"/>
+                </a:highlight>
+                <a:latin typeface="Consolas" panose="020B0609020204030204" pitchFamily="49" charset="0"/>
+              </a:rPr>
+              <a:t>"</a:t>
+            </a:r>
+            <a:r>
+              <a:rPr lang="en-US" sz="1200" dirty="0">
+                <a:solidFill>
+                  <a:srgbClr val="0000FF"/>
+                </a:solidFill>
+                <a:highlight>
+                  <a:srgbClr val="FFFFFF"/>
+                </a:highlight>
+                <a:latin typeface="Consolas" panose="020B0609020204030204" pitchFamily="49" charset="0"/>
+              </a:rPr>
+              <a:t> </a:t>
+            </a:r>
+            <a:r>
+              <a:rPr lang="en-US" sz="1200" dirty="0" err="1">
+                <a:solidFill>
+                  <a:srgbClr val="FF0000"/>
+                </a:solidFill>
+                <a:highlight>
+                  <a:srgbClr val="FFFFFF"/>
+                </a:highlight>
+                <a:latin typeface="Consolas" panose="020B0609020204030204" pitchFamily="49" charset="0"/>
+              </a:rPr>
+              <a:t>PrimaryCluster</a:t>
+            </a:r>
+            <a:r>
+              <a:rPr lang="en-US" sz="1200" dirty="0">
+                <a:solidFill>
+                  <a:srgbClr val="0000FF"/>
+                </a:solidFill>
+                <a:highlight>
+                  <a:srgbClr val="FFFFFF"/>
+                </a:highlight>
+                <a:latin typeface="Consolas" panose="020B0609020204030204" pitchFamily="49" charset="0"/>
+              </a:rPr>
+              <a:t>=</a:t>
+            </a:r>
+            <a:r>
+              <a:rPr lang="en-US" sz="1200" dirty="0">
+                <a:solidFill>
+                  <a:srgbClr val="000000"/>
+                </a:solidFill>
+                <a:highlight>
+                  <a:srgbClr val="FFFFFF"/>
+                </a:highlight>
+                <a:latin typeface="Consolas" panose="020B0609020204030204" pitchFamily="49" charset="0"/>
+              </a:rPr>
+              <a:t>"</a:t>
+            </a:r>
+            <a:r>
+              <a:rPr lang="en-US" sz="1200" dirty="0">
+                <a:solidFill>
+                  <a:srgbClr val="0000FF"/>
+                </a:solidFill>
+                <a:highlight>
+                  <a:srgbClr val="FFFFFF"/>
+                </a:highlight>
+                <a:latin typeface="Consolas" panose="020B0609020204030204" pitchFamily="49" charset="0"/>
+              </a:rPr>
+              <a:t>Back</a:t>
+            </a:r>
+            <a:r>
+              <a:rPr lang="en-US" sz="1200" dirty="0">
+                <a:solidFill>
+                  <a:srgbClr val="000000"/>
+                </a:solidFill>
+                <a:highlight>
+                  <a:srgbClr val="FFFFFF"/>
+                </a:highlight>
+                <a:latin typeface="Consolas" panose="020B0609020204030204" pitchFamily="49" charset="0"/>
+              </a:rPr>
+              <a:t>"</a:t>
+            </a:r>
+            <a:r>
+              <a:rPr lang="en-US" sz="1200" dirty="0">
+                <a:solidFill>
+                  <a:srgbClr val="0000FF"/>
+                </a:solidFill>
+                <a:highlight>
+                  <a:srgbClr val="FFFFFF"/>
+                </a:highlight>
+                <a:latin typeface="Consolas" panose="020B0609020204030204" pitchFamily="49" charset="0"/>
+              </a:rPr>
+              <a:t> /&gt;</a:t>
             </a:r>
           </a:p>
           <a:p>
             <a:pPr marL="0" indent="0">
               <a:buNone/>
             </a:pPr>
-            <a:endParaRPr lang="en-US" dirty="0"/>
-          </a:p>
-          <a:p>
-            <a:r>
-              <a:rPr lang="en-US" dirty="0" smtClean="0"/>
-              <a:t>Next step: add custom persistence functions to read/write from DB</a:t>
-            </a:r>
-          </a:p>
-          <a:p>
-            <a:pPr marL="0" indent="0">
-              <a:buNone/>
-            </a:pPr>
-            <a:endParaRPr lang="en-US" dirty="0"/>
+            <a:endParaRPr lang="en-US" sz="1200" dirty="0">
+              <a:solidFill>
+                <a:srgbClr val="0000FF"/>
+              </a:solidFill>
+              <a:highlight>
+                <a:srgbClr val="FFFFFF"/>
+              </a:highlight>
+              <a:latin typeface="Consolas" panose="020B0609020204030204" pitchFamily="49" charset="0"/>
+            </a:endParaRPr>
+          </a:p>
+          <a:p>
+            <a:r>
+              <a:rPr lang="en-US" dirty="0">
+                <a:solidFill>
+                  <a:prstClr val="black"/>
+                </a:solidFill>
+              </a:rPr>
+              <a:t>This provider type (</a:t>
+            </a:r>
+            <a:r>
+              <a:rPr lang="en-US" sz="1200" dirty="0" err="1">
+                <a:solidFill>
+                  <a:srgbClr val="0000FF"/>
+                </a:solidFill>
+                <a:highlight>
+                  <a:srgbClr val="FFFFFF"/>
+                </a:highlight>
+                <a:latin typeface="Consolas" panose="020B0609020204030204" pitchFamily="49" charset="0"/>
+              </a:rPr>
+              <a:t>Orleans.Providers.LogViews.CustomStorageProvider</a:t>
+            </a:r>
+            <a:r>
+              <a:rPr lang="en-US" dirty="0">
+                <a:solidFill>
+                  <a:prstClr val="black"/>
+                </a:solidFill>
+              </a:rPr>
+              <a:t>) reads states from storage and writes deltas to storage by calling the user-defined </a:t>
+            </a:r>
+            <a:r>
+              <a:rPr lang="en-US" sz="1200">
+                <a:solidFill>
+                  <a:srgbClr val="2B91AF"/>
+                </a:solidFill>
+                <a:highlight>
+                  <a:srgbClr val="FFFFFF"/>
+                </a:highlight>
+                <a:latin typeface="Consolas" panose="020B0609020204030204" pitchFamily="49" charset="0"/>
+              </a:rPr>
+              <a:t>ICustomStorageInterface</a:t>
+            </a:r>
+            <a:r>
+              <a:rPr lang="en-US">
+                <a:solidFill>
+                  <a:prstClr val="black"/>
+                </a:solidFill>
+              </a:rPr>
+              <a:t> </a:t>
+            </a:r>
+            <a:r>
+              <a:rPr lang="en-US" dirty="0">
+                <a:solidFill>
+                  <a:prstClr val="black"/>
+                </a:solidFill>
+              </a:rPr>
+              <a:t>interface on the event grains</a:t>
+            </a:r>
+          </a:p>
+          <a:p>
+            <a:endParaRPr lang="en-US" dirty="0">
+              <a:solidFill>
+                <a:prstClr val="black"/>
+              </a:solidFill>
+            </a:endParaRPr>
+          </a:p>
+          <a:p>
+            <a:r>
+              <a:rPr lang="en-US" dirty="0">
+                <a:solidFill>
+                  <a:prstClr val="black"/>
+                </a:solidFill>
+              </a:rPr>
+              <a:t>The argument </a:t>
+            </a:r>
+            <a:r>
+              <a:rPr lang="en-US" sz="1200" dirty="0" err="1">
+                <a:solidFill>
+                  <a:srgbClr val="FF0000"/>
+                </a:solidFill>
+                <a:highlight>
+                  <a:srgbClr val="FFFFFF"/>
+                </a:highlight>
+                <a:latin typeface="Consolas" panose="020B0609020204030204" pitchFamily="49" charset="0"/>
+              </a:rPr>
+              <a:t>PrimaryCluster</a:t>
+            </a:r>
+            <a:r>
+              <a:rPr lang="en-US" sz="1200" dirty="0">
+                <a:solidFill>
+                  <a:srgbClr val="0000FF"/>
+                </a:solidFill>
+                <a:highlight>
+                  <a:srgbClr val="FFFFFF"/>
+                </a:highlight>
+                <a:latin typeface="Consolas" panose="020B0609020204030204" pitchFamily="49" charset="0"/>
+              </a:rPr>
+              <a:t>=</a:t>
+            </a:r>
+            <a:r>
+              <a:rPr lang="en-US" sz="1200" dirty="0">
+                <a:solidFill>
+                  <a:srgbClr val="000000"/>
+                </a:solidFill>
+                <a:highlight>
+                  <a:srgbClr val="FFFFFF"/>
+                </a:highlight>
+                <a:latin typeface="Consolas" panose="020B0609020204030204" pitchFamily="49" charset="0"/>
+              </a:rPr>
+              <a:t>"</a:t>
+            </a:r>
+            <a:r>
+              <a:rPr lang="en-US" sz="1200" dirty="0">
+                <a:solidFill>
+                  <a:srgbClr val="0000FF"/>
+                </a:solidFill>
+                <a:highlight>
+                  <a:srgbClr val="FFFFFF"/>
+                </a:highlight>
+                <a:latin typeface="Consolas" panose="020B0609020204030204" pitchFamily="49" charset="0"/>
+              </a:rPr>
+              <a:t>Back</a:t>
+            </a:r>
+            <a:r>
+              <a:rPr lang="en-US" sz="1200" dirty="0">
+                <a:solidFill>
+                  <a:srgbClr val="000000"/>
+                </a:solidFill>
+                <a:highlight>
+                  <a:srgbClr val="FFFFFF"/>
+                </a:highlight>
+                <a:latin typeface="Consolas" panose="020B0609020204030204" pitchFamily="49" charset="0"/>
+              </a:rPr>
+              <a:t>" </a:t>
+            </a:r>
+            <a:r>
+              <a:rPr lang="en-US" dirty="0">
+                <a:solidFill>
+                  <a:prstClr val="black"/>
+                </a:solidFill>
+              </a:rPr>
+              <a:t>means that only the Back cluster accesses storage directly</a:t>
+            </a:r>
+          </a:p>
+          <a:p>
+            <a:pPr lvl="1"/>
+            <a:r>
+              <a:rPr lang="en-US" dirty="0">
+                <a:solidFill>
+                  <a:prstClr val="black"/>
+                </a:solidFill>
+              </a:rPr>
+              <a:t>front clusters read the state from the grain in the back cluster</a:t>
+            </a:r>
+          </a:p>
+          <a:p>
+            <a:pPr lvl="1"/>
+            <a:r>
+              <a:rPr lang="en-US" dirty="0">
+                <a:solidFill>
+                  <a:prstClr val="black"/>
+                </a:solidFill>
+              </a:rPr>
+              <a:t>front clusters never update the state</a:t>
+            </a:r>
+            <a:endParaRPr lang="en-US" sz="800" dirty="0"/>
           </a:p>
           <a:p>
             <a:pPr marL="0" indent="0">
